--- a/streamlit/Streamlit.pptx
+++ b/streamlit/Streamlit.pptx
@@ -5,16 +5,18 @@
     <p:sldMasterId id="2147483648" r:id="rId1"/>
   </p:sldMasterIdLst>
   <p:sldIdLst>
-    <p:sldId id="265" r:id="rId2"/>
-    <p:sldId id="256" r:id="rId3"/>
-    <p:sldId id="258" r:id="rId4"/>
-    <p:sldId id="262" r:id="rId5"/>
-    <p:sldId id="257" r:id="rId6"/>
-    <p:sldId id="259" r:id="rId7"/>
-    <p:sldId id="261" r:id="rId8"/>
-    <p:sldId id="260" r:id="rId9"/>
-    <p:sldId id="263" r:id="rId10"/>
-    <p:sldId id="264" r:id="rId11"/>
+    <p:sldId id="268" r:id="rId2"/>
+    <p:sldId id="265" r:id="rId3"/>
+    <p:sldId id="256" r:id="rId4"/>
+    <p:sldId id="258" r:id="rId5"/>
+    <p:sldId id="262" r:id="rId6"/>
+    <p:sldId id="257" r:id="rId7"/>
+    <p:sldId id="259" r:id="rId8"/>
+    <p:sldId id="261" r:id="rId9"/>
+    <p:sldId id="260" r:id="rId10"/>
+    <p:sldId id="263" r:id="rId11"/>
+    <p:sldId id="266" r:id="rId12"/>
+    <p:sldId id="267" r:id="rId13"/>
   </p:sldIdLst>
   <p:sldSz cx="12192000" cy="6858000"/>
   <p:notesSz cx="6858000" cy="9144000"/>
@@ -113,6 +115,11 @@
       </a:defRPr>
     </a:lvl9pPr>
   </p:defaultTextStyle>
+  <p:extLst>
+    <p:ext uri="{EFAFB233-063F-42B5-8137-9DF3F51BA10A}">
+      <p15:sldGuideLst xmlns:p15="http://schemas.microsoft.com/office/powerpoint/2012/main"/>
+    </p:ext>
+  </p:extLst>
 </p:presentation>
 </file>
 
@@ -263,7 +270,7 @@
           <a:p>
             <a:fld id="{787C8326-E1EC-4A38-9EDE-40D83466F1C3}" type="datetimeFigureOut">
               <a:rPr lang="it-IT" smtClean="0"/>
-              <a:t>13/04/2023</a:t>
+              <a:t>15/04/2023</a:t>
             </a:fld>
             <a:endParaRPr lang="it-IT"/>
           </a:p>
@@ -461,7 +468,7 @@
           <a:p>
             <a:fld id="{787C8326-E1EC-4A38-9EDE-40D83466F1C3}" type="datetimeFigureOut">
               <a:rPr lang="it-IT" smtClean="0"/>
-              <a:t>13/04/2023</a:t>
+              <a:t>15/04/2023</a:t>
             </a:fld>
             <a:endParaRPr lang="it-IT"/>
           </a:p>
@@ -669,7 +676,7 @@
           <a:p>
             <a:fld id="{787C8326-E1EC-4A38-9EDE-40D83466F1C3}" type="datetimeFigureOut">
               <a:rPr lang="it-IT" smtClean="0"/>
-              <a:t>13/04/2023</a:t>
+              <a:t>15/04/2023</a:t>
             </a:fld>
             <a:endParaRPr lang="it-IT"/>
           </a:p>
@@ -867,7 +874,7 @@
           <a:p>
             <a:fld id="{787C8326-E1EC-4A38-9EDE-40D83466F1C3}" type="datetimeFigureOut">
               <a:rPr lang="it-IT" smtClean="0"/>
-              <a:t>13/04/2023</a:t>
+              <a:t>15/04/2023</a:t>
             </a:fld>
             <a:endParaRPr lang="it-IT"/>
           </a:p>
@@ -1142,7 +1149,7 @@
           <a:p>
             <a:fld id="{787C8326-E1EC-4A38-9EDE-40D83466F1C3}" type="datetimeFigureOut">
               <a:rPr lang="it-IT" smtClean="0"/>
-              <a:t>13/04/2023</a:t>
+              <a:t>15/04/2023</a:t>
             </a:fld>
             <a:endParaRPr lang="it-IT"/>
           </a:p>
@@ -1407,7 +1414,7 @@
           <a:p>
             <a:fld id="{787C8326-E1EC-4A38-9EDE-40D83466F1C3}" type="datetimeFigureOut">
               <a:rPr lang="it-IT" smtClean="0"/>
-              <a:t>13/04/2023</a:t>
+              <a:t>15/04/2023</a:t>
             </a:fld>
             <a:endParaRPr lang="it-IT"/>
           </a:p>
@@ -1819,7 +1826,7 @@
           <a:p>
             <a:fld id="{787C8326-E1EC-4A38-9EDE-40D83466F1C3}" type="datetimeFigureOut">
               <a:rPr lang="it-IT" smtClean="0"/>
-              <a:t>13/04/2023</a:t>
+              <a:t>15/04/2023</a:t>
             </a:fld>
             <a:endParaRPr lang="it-IT"/>
           </a:p>
@@ -1960,7 +1967,7 @@
           <a:p>
             <a:fld id="{787C8326-E1EC-4A38-9EDE-40D83466F1C3}" type="datetimeFigureOut">
               <a:rPr lang="it-IT" smtClean="0"/>
-              <a:t>13/04/2023</a:t>
+              <a:t>15/04/2023</a:t>
             </a:fld>
             <a:endParaRPr lang="it-IT"/>
           </a:p>
@@ -2073,7 +2080,7 @@
           <a:p>
             <a:fld id="{787C8326-E1EC-4A38-9EDE-40D83466F1C3}" type="datetimeFigureOut">
               <a:rPr lang="it-IT" smtClean="0"/>
-              <a:t>13/04/2023</a:t>
+              <a:t>15/04/2023</a:t>
             </a:fld>
             <a:endParaRPr lang="it-IT"/>
           </a:p>
@@ -2384,7 +2391,7 @@
           <a:p>
             <a:fld id="{787C8326-E1EC-4A38-9EDE-40D83466F1C3}" type="datetimeFigureOut">
               <a:rPr lang="it-IT" smtClean="0"/>
-              <a:t>13/04/2023</a:t>
+              <a:t>15/04/2023</a:t>
             </a:fld>
             <a:endParaRPr lang="it-IT"/>
           </a:p>
@@ -2672,7 +2679,7 @@
           <a:p>
             <a:fld id="{787C8326-E1EC-4A38-9EDE-40D83466F1C3}" type="datetimeFigureOut">
               <a:rPr lang="it-IT" smtClean="0"/>
-              <a:t>13/04/2023</a:t>
+              <a:t>15/04/2023</a:t>
             </a:fld>
             <a:endParaRPr lang="it-IT"/>
           </a:p>
@@ -2913,7 +2920,7 @@
           <a:p>
             <a:fld id="{787C8326-E1EC-4A38-9EDE-40D83466F1C3}" type="datetimeFigureOut">
               <a:rPr lang="it-IT" smtClean="0"/>
-              <a:t>13/04/2023</a:t>
+              <a:t>15/04/2023</a:t>
             </a:fld>
             <a:endParaRPr lang="it-IT"/>
           </a:p>
@@ -3332,6 +3339,452 @@
       </p:grpSpPr>
       <p:pic>
         <p:nvPicPr>
+          <p:cNvPr id="3076" name="Picture 4" descr="using invoke command to run script fails with error - PowerShell">
+            <a:extLst>
+              <a:ext uri="{FF2B5EF4-FFF2-40B4-BE49-F238E27FC236}">
+                <a16:creationId xmlns:a16="http://schemas.microsoft.com/office/drawing/2014/main" id="{7E83A3C1-E994-49D1-856D-943B861006C7}"/>
+              </a:ext>
+            </a:extLst>
+          </p:cNvPr>
+          <p:cNvPicPr>
+            <a:picLocks noChangeAspect="1" noChangeArrowheads="1"/>
+          </p:cNvPicPr>
+          <p:nvPr/>
+        </p:nvPicPr>
+        <p:blipFill>
+          <a:blip r:embed="rId2">
+            <a:extLst>
+              <a:ext uri="{28A0092B-C50C-407E-A947-70E740481C1C}">
+                <a14:useLocalDpi xmlns:a14="http://schemas.microsoft.com/office/drawing/2010/main" val="0"/>
+              </a:ext>
+            </a:extLst>
+          </a:blip>
+          <a:srcRect/>
+          <a:stretch>
+            <a:fillRect/>
+          </a:stretch>
+        </p:blipFill>
+        <p:spPr bwMode="auto">
+          <a:xfrm>
+            <a:off x="262564" y="2290119"/>
+            <a:ext cx="11666872" cy="4127156"/>
+          </a:xfrm>
+          <a:prstGeom prst="rect">
+            <a:avLst/>
+          </a:prstGeom>
+          <a:noFill/>
+          <a:extLst>
+            <a:ext uri="{909E8E84-426E-40DD-AFC4-6F175D3DCCD1}">
+              <a14:hiddenFill xmlns:a14="http://schemas.microsoft.com/office/drawing/2010/main">
+                <a:solidFill>
+                  <a:srgbClr val="FFFFFF"/>
+                </a:solidFill>
+              </a14:hiddenFill>
+            </a:ext>
+          </a:extLst>
+        </p:spPr>
+      </p:pic>
+      <p:pic>
+        <p:nvPicPr>
+          <p:cNvPr id="3078" name="Picture 6" descr="Fatal Error! Failed to execute script __main__ · Issue #4050 ·  qutebrowser/qutebrowser · GitHub">
+            <a:extLst>
+              <a:ext uri="{FF2B5EF4-FFF2-40B4-BE49-F238E27FC236}">
+                <a16:creationId xmlns:a16="http://schemas.microsoft.com/office/drawing/2014/main" id="{A1BF97E0-B2AA-408E-839C-D07C9CBC3695}"/>
+              </a:ext>
+            </a:extLst>
+          </p:cNvPr>
+          <p:cNvPicPr>
+            <a:picLocks noChangeAspect="1" noChangeArrowheads="1"/>
+          </p:cNvPicPr>
+          <p:nvPr/>
+        </p:nvPicPr>
+        <p:blipFill>
+          <a:blip r:embed="rId3">
+            <a:extLst>
+              <a:ext uri="{28A0092B-C50C-407E-A947-70E740481C1C}">
+                <a14:useLocalDpi xmlns:a14="http://schemas.microsoft.com/office/drawing/2010/main" val="0"/>
+              </a:ext>
+            </a:extLst>
+          </a:blip>
+          <a:srcRect/>
+          <a:stretch>
+            <a:fillRect/>
+          </a:stretch>
+        </p:blipFill>
+        <p:spPr bwMode="auto">
+          <a:xfrm>
+            <a:off x="3912486" y="3158631"/>
+            <a:ext cx="4070466" cy="2390131"/>
+          </a:xfrm>
+          <a:prstGeom prst="rect">
+            <a:avLst/>
+          </a:prstGeom>
+          <a:noFill/>
+          <a:extLst>
+            <a:ext uri="{909E8E84-426E-40DD-AFC4-6F175D3DCCD1}">
+              <a14:hiddenFill xmlns:a14="http://schemas.microsoft.com/office/drawing/2010/main">
+                <a:solidFill>
+                  <a:srgbClr val="FFFFFF"/>
+                </a:solidFill>
+              </a14:hiddenFill>
+            </a:ext>
+          </a:extLst>
+        </p:spPr>
+      </p:pic>
+      <p:sp>
+        <p:nvSpPr>
+          <p:cNvPr id="2" name="CasellaDiTesto 1">
+            <a:extLst>
+              <a:ext uri="{FF2B5EF4-FFF2-40B4-BE49-F238E27FC236}">
+                <a16:creationId xmlns:a16="http://schemas.microsoft.com/office/drawing/2014/main" id="{0536F98D-192D-4055-8B49-CFB64D1D9ADE}"/>
+              </a:ext>
+            </a:extLst>
+          </p:cNvPr>
+          <p:cNvSpPr txBox="1"/>
+          <p:nvPr/>
+        </p:nvSpPr>
+        <p:spPr>
+          <a:xfrm>
+            <a:off x="1886465" y="0"/>
+            <a:ext cx="8122508" cy="2123658"/>
+          </a:xfrm>
+          <a:prstGeom prst="rect">
+            <a:avLst/>
+          </a:prstGeom>
+          <a:noFill/>
+        </p:spPr>
+        <p:txBody>
+          <a:bodyPr wrap="square" rtlCol="0">
+            <a:spAutoFit/>
+          </a:bodyPr>
+          <a:lstStyle/>
+          <a:p>
+            <a:pPr algn="ctr"/>
+            <a:r>
+              <a:rPr lang="en-US" sz="6600" b="1" dirty="0"/>
+              <a:t>LIMITI DEGLI </a:t>
+            </a:r>
+          </a:p>
+          <a:p>
+            <a:pPr algn="ctr"/>
+            <a:r>
+              <a:rPr lang="en-US" sz="6600" b="1" dirty="0"/>
+              <a:t>SCRIPT PYTHON</a:t>
+            </a:r>
+            <a:endParaRPr lang="it-IT" sz="6600" b="1" dirty="0"/>
+          </a:p>
+        </p:txBody>
+      </p:sp>
+    </p:spTree>
+    <p:extLst>
+      <p:ext uri="{BB962C8B-B14F-4D97-AF65-F5344CB8AC3E}">
+        <p14:creationId xmlns:p14="http://schemas.microsoft.com/office/powerpoint/2010/main" val="3334598216"/>
+      </p:ext>
+    </p:extLst>
+  </p:cSld>
+  <p:clrMapOvr>
+    <a:masterClrMapping/>
+  </p:clrMapOvr>
+</p:sld>
+</file>
+
+<file path=ppt/slides/slide10.xml><?xml version="1.0" encoding="utf-8"?>
+<p:sld xmlns:a="http://schemas.openxmlformats.org/drawingml/2006/main" xmlns:r="http://schemas.openxmlformats.org/officeDocument/2006/relationships" xmlns:p="http://schemas.openxmlformats.org/presentationml/2006/main">
+  <p:cSld>
+    <p:spTree>
+      <p:nvGrpSpPr>
+        <p:cNvPr id="1" name=""/>
+        <p:cNvGrpSpPr/>
+        <p:nvPr/>
+      </p:nvGrpSpPr>
+      <p:grpSpPr>
+        <a:xfrm>
+          <a:off x="0" y="0"/>
+          <a:ext cx="0" cy="0"/>
+          <a:chOff x="0" y="0"/>
+          <a:chExt cx="0" cy="0"/>
+        </a:xfrm>
+      </p:grpSpPr>
+      <p:pic>
+        <p:nvPicPr>
+          <p:cNvPr id="7170" name="Picture 2" descr="How to master Streamlit for data science">
+            <a:extLst>
+              <a:ext uri="{FF2B5EF4-FFF2-40B4-BE49-F238E27FC236}">
+                <a16:creationId xmlns:a16="http://schemas.microsoft.com/office/drawing/2014/main" id="{5434C351-8E02-4732-B33F-3CB614C6D30D}"/>
+              </a:ext>
+            </a:extLst>
+          </p:cNvPr>
+          <p:cNvPicPr>
+            <a:picLocks noChangeAspect="1" noChangeArrowheads="1"/>
+          </p:cNvPicPr>
+          <p:nvPr/>
+        </p:nvPicPr>
+        <p:blipFill>
+          <a:blip r:embed="rId2">
+            <a:extLst>
+              <a:ext uri="{28A0092B-C50C-407E-A947-70E740481C1C}">
+                <a14:useLocalDpi xmlns:a14="http://schemas.microsoft.com/office/drawing/2010/main" val="0"/>
+              </a:ext>
+            </a:extLst>
+          </a:blip>
+          <a:srcRect/>
+          <a:stretch>
+            <a:fillRect/>
+          </a:stretch>
+        </p:blipFill>
+        <p:spPr bwMode="auto">
+          <a:xfrm>
+            <a:off x="2281238" y="0"/>
+            <a:ext cx="7627937" cy="6858000"/>
+          </a:xfrm>
+          <a:prstGeom prst="rect">
+            <a:avLst/>
+          </a:prstGeom>
+          <a:noFill/>
+          <a:extLst>
+            <a:ext uri="{909E8E84-426E-40DD-AFC4-6F175D3DCCD1}">
+              <a14:hiddenFill xmlns:a14="http://schemas.microsoft.com/office/drawing/2010/main">
+                <a:solidFill>
+                  <a:srgbClr val="FFFFFF"/>
+                </a:solidFill>
+              </a14:hiddenFill>
+            </a:ext>
+          </a:extLst>
+        </p:spPr>
+      </p:pic>
+    </p:spTree>
+    <p:extLst>
+      <p:ext uri="{BB962C8B-B14F-4D97-AF65-F5344CB8AC3E}">
+        <p14:creationId xmlns:p14="http://schemas.microsoft.com/office/powerpoint/2010/main" val="3911014797"/>
+      </p:ext>
+    </p:extLst>
+  </p:cSld>
+  <p:clrMapOvr>
+    <a:masterClrMapping/>
+  </p:clrMapOvr>
+</p:sld>
+</file>
+
+<file path=ppt/slides/slide11.xml><?xml version="1.0" encoding="utf-8"?>
+<p:sld xmlns:a="http://schemas.openxmlformats.org/drawingml/2006/main" xmlns:r="http://schemas.openxmlformats.org/officeDocument/2006/relationships" xmlns:p="http://schemas.openxmlformats.org/presentationml/2006/main">
+  <p:cSld>
+    <p:spTree>
+      <p:nvGrpSpPr>
+        <p:cNvPr id="1" name=""/>
+        <p:cNvGrpSpPr/>
+        <p:nvPr/>
+      </p:nvGrpSpPr>
+      <p:grpSpPr>
+        <a:xfrm>
+          <a:off x="0" y="0"/>
+          <a:ext cx="0" cy="0"/>
+          <a:chOff x="0" y="0"/>
+          <a:chExt cx="0" cy="0"/>
+        </a:xfrm>
+      </p:grpSpPr>
+      <p:pic>
+        <p:nvPicPr>
+          <p:cNvPr id="1026" name="Picture 2" descr="Rick-and-Morty-and-away-we-go-meme-1">
+            <a:extLst>
+              <a:ext uri="{FF2B5EF4-FFF2-40B4-BE49-F238E27FC236}">
+                <a16:creationId xmlns:a16="http://schemas.microsoft.com/office/drawing/2014/main" id="{EF41B9C7-C77C-4464-9E38-986015D8B9B8}"/>
+              </a:ext>
+            </a:extLst>
+          </p:cNvPr>
+          <p:cNvPicPr>
+            <a:picLocks noChangeAspect="1" noChangeArrowheads="1"/>
+          </p:cNvPicPr>
+          <p:nvPr/>
+        </p:nvPicPr>
+        <p:blipFill>
+          <a:blip r:embed="rId2">
+            <a:extLst>
+              <a:ext uri="{28A0092B-C50C-407E-A947-70E740481C1C}">
+                <a14:useLocalDpi xmlns:a14="http://schemas.microsoft.com/office/drawing/2010/main" val="0"/>
+              </a:ext>
+            </a:extLst>
+          </a:blip>
+          <a:srcRect/>
+          <a:stretch>
+            <a:fillRect/>
+          </a:stretch>
+        </p:blipFill>
+        <p:spPr bwMode="auto">
+          <a:xfrm>
+            <a:off x="1689769" y="62815"/>
+            <a:ext cx="8812462" cy="4960206"/>
+          </a:xfrm>
+          <a:prstGeom prst="rect">
+            <a:avLst/>
+          </a:prstGeom>
+          <a:noFill/>
+          <a:extLst>
+            <a:ext uri="{909E8E84-426E-40DD-AFC4-6F175D3DCCD1}">
+              <a14:hiddenFill xmlns:a14="http://schemas.microsoft.com/office/drawing/2010/main">
+                <a:solidFill>
+                  <a:srgbClr val="FFFFFF"/>
+                </a:solidFill>
+              </a14:hiddenFill>
+            </a:ext>
+          </a:extLst>
+        </p:spPr>
+      </p:pic>
+      <p:pic>
+        <p:nvPicPr>
+          <p:cNvPr id="1028" name="Picture 4" descr="Streamlit: costruire una Web App in pochi minuti - Flowygo">
+            <a:extLst>
+              <a:ext uri="{FF2B5EF4-FFF2-40B4-BE49-F238E27FC236}">
+                <a16:creationId xmlns:a16="http://schemas.microsoft.com/office/drawing/2014/main" id="{AFAFC435-3610-48F4-A606-9D7D82924570}"/>
+              </a:ext>
+            </a:extLst>
+          </p:cNvPr>
+          <p:cNvPicPr>
+            <a:picLocks noChangeAspect="1" noChangeArrowheads="1"/>
+          </p:cNvPicPr>
+          <p:nvPr/>
+        </p:nvPicPr>
+        <p:blipFill>
+          <a:blip r:embed="rId3">
+            <a:extLst>
+              <a:ext uri="{28A0092B-C50C-407E-A947-70E740481C1C}">
+                <a14:useLocalDpi xmlns:a14="http://schemas.microsoft.com/office/drawing/2010/main" val="0"/>
+              </a:ext>
+            </a:extLst>
+          </a:blip>
+          <a:srcRect/>
+          <a:stretch>
+            <a:fillRect/>
+          </a:stretch>
+        </p:blipFill>
+        <p:spPr bwMode="auto">
+          <a:xfrm>
+            <a:off x="4464907" y="4961451"/>
+            <a:ext cx="3134326" cy="1833734"/>
+          </a:xfrm>
+          <a:prstGeom prst="rect">
+            <a:avLst/>
+          </a:prstGeom>
+          <a:noFill/>
+          <a:extLst>
+            <a:ext uri="{909E8E84-426E-40DD-AFC4-6F175D3DCCD1}">
+              <a14:hiddenFill xmlns:a14="http://schemas.microsoft.com/office/drawing/2010/main">
+                <a:solidFill>
+                  <a:srgbClr val="FFFFFF"/>
+                </a:solidFill>
+              </a14:hiddenFill>
+            </a:ext>
+          </a:extLst>
+        </p:spPr>
+      </p:pic>
+    </p:spTree>
+    <p:extLst>
+      <p:ext uri="{BB962C8B-B14F-4D97-AF65-F5344CB8AC3E}">
+        <p14:creationId xmlns:p14="http://schemas.microsoft.com/office/powerpoint/2010/main" val="2763246582"/>
+      </p:ext>
+    </p:extLst>
+  </p:cSld>
+  <p:clrMapOvr>
+    <a:masterClrMapping/>
+  </p:clrMapOvr>
+</p:sld>
+</file>
+
+<file path=ppt/slides/slide12.xml><?xml version="1.0" encoding="utf-8"?>
+<p:sld xmlns:a="http://schemas.openxmlformats.org/drawingml/2006/main" xmlns:r="http://schemas.openxmlformats.org/officeDocument/2006/relationships" xmlns:p="http://schemas.openxmlformats.org/presentationml/2006/main">
+  <p:cSld>
+    <p:spTree>
+      <p:nvGrpSpPr>
+        <p:cNvPr id="1" name=""/>
+        <p:cNvGrpSpPr/>
+        <p:nvPr/>
+      </p:nvGrpSpPr>
+      <p:grpSpPr>
+        <a:xfrm>
+          <a:off x="0" y="0"/>
+          <a:ext cx="0" cy="0"/>
+          <a:chOff x="0" y="0"/>
+          <a:chExt cx="0" cy="0"/>
+        </a:xfrm>
+      </p:grpSpPr>
+      <p:pic>
+        <p:nvPicPr>
+          <p:cNvPr id="2050" name="Picture 2" descr="Hypepartnersparty Hypeparty GIF - Hypepartnersparty Hypeparty GIFs">
+            <a:extLst>
+              <a:ext uri="{FF2B5EF4-FFF2-40B4-BE49-F238E27FC236}">
+                <a16:creationId xmlns:a16="http://schemas.microsoft.com/office/drawing/2014/main" id="{F6AA476C-C53E-4146-A5B6-659F560A2F09}"/>
+              </a:ext>
+            </a:extLst>
+          </p:cNvPr>
+          <p:cNvPicPr>
+            <a:picLocks noChangeAspect="1" noChangeArrowheads="1" noCrop="1"/>
+          </p:cNvPicPr>
+          <p:nvPr/>
+        </p:nvPicPr>
+        <p:blipFill>
+          <a:blip r:embed="rId2">
+            <a:extLst>
+              <a:ext uri="{28A0092B-C50C-407E-A947-70E740481C1C}">
+                <a14:useLocalDpi xmlns:a14="http://schemas.microsoft.com/office/drawing/2010/main" val="0"/>
+              </a:ext>
+            </a:extLst>
+          </a:blip>
+          <a:srcRect/>
+          <a:stretch>
+            <a:fillRect/>
+          </a:stretch>
+        </p:blipFill>
+        <p:spPr bwMode="auto">
+          <a:xfrm>
+            <a:off x="29350" y="247457"/>
+            <a:ext cx="12162650" cy="6363085"/>
+          </a:xfrm>
+          <a:prstGeom prst="rect">
+            <a:avLst/>
+          </a:prstGeom>
+          <a:noFill/>
+          <a:extLst>
+            <a:ext uri="{909E8E84-426E-40DD-AFC4-6F175D3DCCD1}">
+              <a14:hiddenFill xmlns:a14="http://schemas.microsoft.com/office/drawing/2010/main">
+                <a:solidFill>
+                  <a:srgbClr val="FFFFFF"/>
+                </a:solidFill>
+              </a14:hiddenFill>
+            </a:ext>
+          </a:extLst>
+        </p:spPr>
+      </p:pic>
+    </p:spTree>
+    <p:extLst>
+      <p:ext uri="{BB962C8B-B14F-4D97-AF65-F5344CB8AC3E}">
+        <p14:creationId xmlns:p14="http://schemas.microsoft.com/office/powerpoint/2010/main" val="912526323"/>
+      </p:ext>
+    </p:extLst>
+  </p:cSld>
+  <p:clrMapOvr>
+    <a:masterClrMapping/>
+  </p:clrMapOvr>
+</p:sld>
+</file>
+
+<file path=ppt/slides/slide2.xml><?xml version="1.0" encoding="utf-8"?>
+<p:sld xmlns:a="http://schemas.openxmlformats.org/drawingml/2006/main" xmlns:r="http://schemas.openxmlformats.org/officeDocument/2006/relationships" xmlns:p="http://schemas.openxmlformats.org/presentationml/2006/main">
+  <p:cSld>
+    <p:spTree>
+      <p:nvGrpSpPr>
+        <p:cNvPr id="1" name=""/>
+        <p:cNvGrpSpPr/>
+        <p:nvPr/>
+      </p:nvGrpSpPr>
+      <p:grpSpPr>
+        <a:xfrm>
+          <a:off x="0" y="0"/>
+          <a:ext cx="0" cy="0"/>
+          <a:chOff x="0" y="0"/>
+          <a:chExt cx="0" cy="0"/>
+        </a:xfrm>
+      </p:grpSpPr>
+      <p:pic>
+        <p:nvPicPr>
           <p:cNvPr id="9222" name="Picture 6" descr="8 Deadly Commands You Should Never Run on Linux">
             <a:extLst>
               <a:ext uri="{FF2B5EF4-FFF2-40B4-BE49-F238E27FC236}">
@@ -3437,82 +3890,7 @@
 </p:sld>
 </file>
 
-<file path=ppt/slides/slide10.xml><?xml version="1.0" encoding="utf-8"?>
-<p:sld xmlns:a="http://schemas.openxmlformats.org/drawingml/2006/main" xmlns:r="http://schemas.openxmlformats.org/officeDocument/2006/relationships" xmlns:p="http://schemas.openxmlformats.org/presentationml/2006/main">
-  <p:cSld>
-    <p:spTree>
-      <p:nvGrpSpPr>
-        <p:cNvPr id="1" name=""/>
-        <p:cNvGrpSpPr/>
-        <p:nvPr/>
-      </p:nvGrpSpPr>
-      <p:grpSpPr>
-        <a:xfrm>
-          <a:off x="0" y="0"/>
-          <a:ext cx="0" cy="0"/>
-          <a:chOff x="0" y="0"/>
-          <a:chExt cx="0" cy="0"/>
-        </a:xfrm>
-      </p:grpSpPr>
-      <p:pic>
-        <p:nvPicPr>
-          <p:cNvPr id="8194" name="Picture 2" descr="Letscode.hu – … minden ami fejlesztés">
-            <a:extLst>
-              <a:ext uri="{FF2B5EF4-FFF2-40B4-BE49-F238E27FC236}">
-                <a16:creationId xmlns:a16="http://schemas.microsoft.com/office/drawing/2014/main" id="{6E337DB4-DA68-4237-A620-4FBB0658341D}"/>
-              </a:ext>
-            </a:extLst>
-          </p:cNvPr>
-          <p:cNvPicPr>
-            <a:picLocks noChangeAspect="1" noChangeArrowheads="1"/>
-          </p:cNvPicPr>
-          <p:nvPr/>
-        </p:nvPicPr>
-        <p:blipFill rotWithShape="1">
-          <a:blip r:embed="rId2">
-            <a:extLst>
-              <a:ext uri="{28A0092B-C50C-407E-A947-70E740481C1C}">
-                <a14:useLocalDpi xmlns:a14="http://schemas.microsoft.com/office/drawing/2010/main" val="0"/>
-              </a:ext>
-            </a:extLst>
-          </a:blip>
-          <a:srcRect l="7173" t="12428" r="13035" b="9767"/>
-          <a:stretch/>
-        </p:blipFill>
-        <p:spPr bwMode="auto">
-          <a:xfrm>
-            <a:off x="2821354" y="147422"/>
-            <a:ext cx="6549292" cy="6386239"/>
-          </a:xfrm>
-          <a:prstGeom prst="rect">
-            <a:avLst/>
-          </a:prstGeom>
-          <a:noFill/>
-          <a:extLst>
-            <a:ext uri="{909E8E84-426E-40DD-AFC4-6F175D3DCCD1}">
-              <a14:hiddenFill xmlns:a14="http://schemas.microsoft.com/office/drawing/2010/main">
-                <a:solidFill>
-                  <a:srgbClr val="FFFFFF"/>
-                </a:solidFill>
-              </a14:hiddenFill>
-            </a:ext>
-          </a:extLst>
-        </p:spPr>
-      </p:pic>
-    </p:spTree>
-    <p:extLst>
-      <p:ext uri="{BB962C8B-B14F-4D97-AF65-F5344CB8AC3E}">
-        <p14:creationId xmlns:p14="http://schemas.microsoft.com/office/powerpoint/2010/main" val="334857160"/>
-      </p:ext>
-    </p:extLst>
-  </p:cSld>
-  <p:clrMapOvr>
-    <a:masterClrMapping/>
-  </p:clrMapOvr>
-</p:sld>
-</file>
-
-<file path=ppt/slides/slide2.xml><?xml version="1.0" encoding="utf-8"?>
+<file path=ppt/slides/slide3.xml><?xml version="1.0" encoding="utf-8"?>
 <p:sld xmlns:a="http://schemas.openxmlformats.org/drawingml/2006/main" xmlns:r="http://schemas.openxmlformats.org/officeDocument/2006/relationships" xmlns:p="http://schemas.openxmlformats.org/presentationml/2006/main">
   <p:cSld>
     <p:spTree>
@@ -3683,7 +4061,7 @@
 </p:sld>
 </file>
 
-<file path=ppt/slides/slide3.xml><?xml version="1.0" encoding="utf-8"?>
+<file path=ppt/slides/slide4.xml><?xml version="1.0" encoding="utf-8"?>
 <p:sld xmlns:a="http://schemas.openxmlformats.org/drawingml/2006/main" xmlns:r="http://schemas.openxmlformats.org/officeDocument/2006/relationships" xmlns:p="http://schemas.openxmlformats.org/presentationml/2006/main">
   <p:cSld>
     <p:spTree>
@@ -3760,7 +4138,7 @@
 </p:sld>
 </file>
 
-<file path=ppt/slides/slide4.xml><?xml version="1.0" encoding="utf-8"?>
+<file path=ppt/slides/slide5.xml><?xml version="1.0" encoding="utf-8"?>
 <p:sld xmlns:a="http://schemas.openxmlformats.org/drawingml/2006/main" xmlns:r="http://schemas.openxmlformats.org/officeDocument/2006/relationships" xmlns:p="http://schemas.openxmlformats.org/presentationml/2006/main">
   <p:cSld>
     <p:spTree>
@@ -3884,7 +4262,7 @@
 </p:sld>
 </file>
 
-<file path=ppt/slides/slide5.xml><?xml version="1.0" encoding="utf-8"?>
+<file path=ppt/slides/slide6.xml><?xml version="1.0" encoding="utf-8"?>
 <p:sld xmlns:a="http://schemas.openxmlformats.org/drawingml/2006/main" xmlns:r="http://schemas.openxmlformats.org/officeDocument/2006/relationships" xmlns:p="http://schemas.openxmlformats.org/presentationml/2006/main">
   <p:cSld>
     <p:spTree>
@@ -3961,7 +4339,7 @@
 </p:sld>
 </file>
 
-<file path=ppt/slides/slide6.xml><?xml version="1.0" encoding="utf-8"?>
+<file path=ppt/slides/slide7.xml><?xml version="1.0" encoding="utf-8"?>
 <p:sld xmlns:a="http://schemas.openxmlformats.org/drawingml/2006/main" xmlns:r="http://schemas.openxmlformats.org/officeDocument/2006/relationships" xmlns:p="http://schemas.openxmlformats.org/presentationml/2006/main">
   <p:cSld>
     <p:spTree>
@@ -4027,7 +4405,7 @@
 </p:sld>
 </file>
 
-<file path=ppt/slides/slide7.xml><?xml version="1.0" encoding="utf-8"?>
+<file path=ppt/slides/slide8.xml><?xml version="1.0" encoding="utf-8"?>
 <p:sld xmlns:a="http://schemas.openxmlformats.org/drawingml/2006/main" xmlns:r="http://schemas.openxmlformats.org/officeDocument/2006/relationships" xmlns:p="http://schemas.openxmlformats.org/presentationml/2006/main">
   <p:cSld>
     <p:spTree>
@@ -4263,7 +4641,7 @@
 </p:sld>
 </file>
 
-<file path=ppt/slides/slide8.xml><?xml version="1.0" encoding="utf-8"?>
+<file path=ppt/slides/slide9.xml><?xml version="1.0" encoding="utf-8"?>
 <p:sld xmlns:a="http://schemas.openxmlformats.org/drawingml/2006/main" xmlns:r="http://schemas.openxmlformats.org/officeDocument/2006/relationships" xmlns:p="http://schemas.openxmlformats.org/presentationml/2006/main">
   <p:cSld>
     <p:spTree>
@@ -4331,83 +4709,6 @@
     <p:extLst>
       <p:ext uri="{BB962C8B-B14F-4D97-AF65-F5344CB8AC3E}">
         <p14:creationId xmlns:p14="http://schemas.microsoft.com/office/powerpoint/2010/main" val="4120549724"/>
-      </p:ext>
-    </p:extLst>
-  </p:cSld>
-  <p:clrMapOvr>
-    <a:masterClrMapping/>
-  </p:clrMapOvr>
-</p:sld>
-</file>
-
-<file path=ppt/slides/slide9.xml><?xml version="1.0" encoding="utf-8"?>
-<p:sld xmlns:a="http://schemas.openxmlformats.org/drawingml/2006/main" xmlns:r="http://schemas.openxmlformats.org/officeDocument/2006/relationships" xmlns:p="http://schemas.openxmlformats.org/presentationml/2006/main">
-  <p:cSld>
-    <p:spTree>
-      <p:nvGrpSpPr>
-        <p:cNvPr id="1" name=""/>
-        <p:cNvGrpSpPr/>
-        <p:nvPr/>
-      </p:nvGrpSpPr>
-      <p:grpSpPr>
-        <a:xfrm>
-          <a:off x="0" y="0"/>
-          <a:ext cx="0" cy="0"/>
-          <a:chOff x="0" y="0"/>
-          <a:chExt cx="0" cy="0"/>
-        </a:xfrm>
-      </p:grpSpPr>
-      <p:pic>
-        <p:nvPicPr>
-          <p:cNvPr id="7170" name="Picture 2" descr="How to master Streamlit for data science">
-            <a:extLst>
-              <a:ext uri="{FF2B5EF4-FFF2-40B4-BE49-F238E27FC236}">
-                <a16:creationId xmlns:a16="http://schemas.microsoft.com/office/drawing/2014/main" id="{5434C351-8E02-4732-B33F-3CB614C6D30D}"/>
-              </a:ext>
-            </a:extLst>
-          </p:cNvPr>
-          <p:cNvPicPr>
-            <a:picLocks noChangeAspect="1" noChangeArrowheads="1"/>
-          </p:cNvPicPr>
-          <p:nvPr/>
-        </p:nvPicPr>
-        <p:blipFill>
-          <a:blip r:embed="rId2">
-            <a:extLst>
-              <a:ext uri="{28A0092B-C50C-407E-A947-70E740481C1C}">
-                <a14:useLocalDpi xmlns:a14="http://schemas.microsoft.com/office/drawing/2010/main" val="0"/>
-              </a:ext>
-            </a:extLst>
-          </a:blip>
-          <a:srcRect/>
-          <a:stretch>
-            <a:fillRect/>
-          </a:stretch>
-        </p:blipFill>
-        <p:spPr bwMode="auto">
-          <a:xfrm>
-            <a:off x="2281238" y="0"/>
-            <a:ext cx="7627937" cy="6858000"/>
-          </a:xfrm>
-          <a:prstGeom prst="rect">
-            <a:avLst/>
-          </a:prstGeom>
-          <a:noFill/>
-          <a:extLst>
-            <a:ext uri="{909E8E84-426E-40DD-AFC4-6F175D3DCCD1}">
-              <a14:hiddenFill xmlns:a14="http://schemas.microsoft.com/office/drawing/2010/main">
-                <a:solidFill>
-                  <a:srgbClr val="FFFFFF"/>
-                </a:solidFill>
-              </a14:hiddenFill>
-            </a:ext>
-          </a:extLst>
-        </p:spPr>
-      </p:pic>
-    </p:spTree>
-    <p:extLst>
-      <p:ext uri="{BB962C8B-B14F-4D97-AF65-F5344CB8AC3E}">
-        <p14:creationId xmlns:p14="http://schemas.microsoft.com/office/powerpoint/2010/main" val="3911014797"/>
       </p:ext>
     </p:extLst>
   </p:cSld>
